--- a/figs/5/BVTT.pptx
+++ b/figs/5/BVTT.pptx
@@ -289,7 +289,7 @@
             <a:fld id="{65BDDB56-EF15-4248-810D-BB6DE51456FC}" type="datetimeFigureOut">
               <a:rPr lang="en-US" smtClean="0"/>
               <a:pPr/>
-              <a:t>3/19/2011</a:t>
+              <a:t>10/19/13</a:t>
             </a:fld>
             <a:endParaRPr lang="en-US"/>
           </a:p>
@@ -456,7 +456,7 @@
             <a:fld id="{65BDDB56-EF15-4248-810D-BB6DE51456FC}" type="datetimeFigureOut">
               <a:rPr lang="en-US" smtClean="0"/>
               <a:pPr/>
-              <a:t>3/19/2011</a:t>
+              <a:t>10/19/13</a:t>
             </a:fld>
             <a:endParaRPr lang="en-US"/>
           </a:p>
@@ -633,7 +633,7 @@
             <a:fld id="{65BDDB56-EF15-4248-810D-BB6DE51456FC}" type="datetimeFigureOut">
               <a:rPr lang="en-US" smtClean="0"/>
               <a:pPr/>
-              <a:t>3/19/2011</a:t>
+              <a:t>10/19/13</a:t>
             </a:fld>
             <a:endParaRPr lang="en-US"/>
           </a:p>
@@ -800,7 +800,7 @@
             <a:fld id="{65BDDB56-EF15-4248-810D-BB6DE51456FC}" type="datetimeFigureOut">
               <a:rPr lang="en-US" smtClean="0"/>
               <a:pPr/>
-              <a:t>3/19/2011</a:t>
+              <a:t>10/19/13</a:t>
             </a:fld>
             <a:endParaRPr lang="en-US"/>
           </a:p>
@@ -1043,7 +1043,7 @@
             <a:fld id="{65BDDB56-EF15-4248-810D-BB6DE51456FC}" type="datetimeFigureOut">
               <a:rPr lang="en-US" smtClean="0"/>
               <a:pPr/>
-              <a:t>3/19/2011</a:t>
+              <a:t>10/19/13</a:t>
             </a:fld>
             <a:endParaRPr lang="en-US"/>
           </a:p>
@@ -1328,7 +1328,7 @@
             <a:fld id="{65BDDB56-EF15-4248-810D-BB6DE51456FC}" type="datetimeFigureOut">
               <a:rPr lang="en-US" smtClean="0"/>
               <a:pPr/>
-              <a:t>3/19/2011</a:t>
+              <a:t>10/19/13</a:t>
             </a:fld>
             <a:endParaRPr lang="en-US"/>
           </a:p>
@@ -1747,7 +1747,7 @@
             <a:fld id="{65BDDB56-EF15-4248-810D-BB6DE51456FC}" type="datetimeFigureOut">
               <a:rPr lang="en-US" smtClean="0"/>
               <a:pPr/>
-              <a:t>3/19/2011</a:t>
+              <a:t>10/19/13</a:t>
             </a:fld>
             <a:endParaRPr lang="en-US"/>
           </a:p>
@@ -1862,7 +1862,7 @@
             <a:fld id="{65BDDB56-EF15-4248-810D-BB6DE51456FC}" type="datetimeFigureOut">
               <a:rPr lang="en-US" smtClean="0"/>
               <a:pPr/>
-              <a:t>3/19/2011</a:t>
+              <a:t>10/19/13</a:t>
             </a:fld>
             <a:endParaRPr lang="en-US"/>
           </a:p>
@@ -1954,7 +1954,7 @@
             <a:fld id="{65BDDB56-EF15-4248-810D-BB6DE51456FC}" type="datetimeFigureOut">
               <a:rPr lang="en-US" smtClean="0"/>
               <a:pPr/>
-              <a:t>3/19/2011</a:t>
+              <a:t>10/19/13</a:t>
             </a:fld>
             <a:endParaRPr lang="en-US"/>
           </a:p>
@@ -2228,7 +2228,7 @@
             <a:fld id="{65BDDB56-EF15-4248-810D-BB6DE51456FC}" type="datetimeFigureOut">
               <a:rPr lang="en-US" smtClean="0"/>
               <a:pPr/>
-              <a:t>3/19/2011</a:t>
+              <a:t>10/19/13</a:t>
             </a:fld>
             <a:endParaRPr lang="en-US"/>
           </a:p>
@@ -2478,7 +2478,7 @@
             <a:fld id="{65BDDB56-EF15-4248-810D-BB6DE51456FC}" type="datetimeFigureOut">
               <a:rPr lang="en-US" smtClean="0"/>
               <a:pPr/>
-              <a:t>3/19/2011</a:t>
+              <a:t>10/19/13</a:t>
             </a:fld>
             <a:endParaRPr lang="en-US"/>
           </a:p>
@@ -2688,7 +2688,7 @@
             <a:fld id="{65BDDB56-EF15-4248-810D-BB6DE51456FC}" type="datetimeFigureOut">
               <a:rPr lang="en-US" smtClean="0"/>
               <a:pPr/>
-              <a:t>3/19/2011</a:t>
+              <a:t>10/19/13</a:t>
             </a:fld>
             <a:endParaRPr lang="en-US"/>
           </a:p>
@@ -3165,7 +3165,7 @@
           </a:fontRef>
         </p:style>
         <p:txBody>
-          <a:bodyPr rtlCol="0" anchor="ctr"/>
+          <a:bodyPr rtlCol="0" anchor="ctr" anchorCtr="1"/>
           <a:lstStyle/>
           <a:p>
             <a:pPr algn="ctr"/>
@@ -3207,7 +3207,7 @@
           </a:fontRef>
         </p:style>
         <p:txBody>
-          <a:bodyPr rtlCol="0" anchor="ctr"/>
+          <a:bodyPr rtlCol="0" anchor="ctr" anchorCtr="1"/>
           <a:lstStyle/>
           <a:p>
             <a:pPr algn="ctr"/>
@@ -3249,7 +3249,7 @@
           </a:fontRef>
         </p:style>
         <p:txBody>
-          <a:bodyPr rtlCol="0" anchor="ctr"/>
+          <a:bodyPr rtlCol="0" anchor="ctr" anchorCtr="1"/>
           <a:lstStyle/>
           <a:p>
             <a:pPr algn="ctr"/>
@@ -3367,7 +3367,7 @@
           </a:fontRef>
         </p:style>
         <p:txBody>
-          <a:bodyPr rtlCol="0" anchor="ctr"/>
+          <a:bodyPr rtlCol="0" anchor="ctr" anchorCtr="1"/>
           <a:lstStyle/>
           <a:p>
             <a:pPr algn="ctr"/>
@@ -3409,7 +3409,7 @@
           </a:fontRef>
         </p:style>
         <p:txBody>
-          <a:bodyPr rtlCol="0" anchor="ctr"/>
+          <a:bodyPr rtlCol="0" anchor="ctr" anchorCtr="1"/>
           <a:lstStyle/>
           <a:p>
             <a:pPr algn="ctr"/>
@@ -3451,7 +3451,7 @@
           </a:fontRef>
         </p:style>
         <p:txBody>
-          <a:bodyPr rtlCol="0" anchor="ctr"/>
+          <a:bodyPr rtlCol="0" anchor="ctr" anchorCtr="1"/>
           <a:lstStyle/>
           <a:p>
             <a:pPr algn="ctr"/>
@@ -3499,7 +3499,11 @@
             <a:pPr algn="ctr"/>
             <a:r>
               <a:rPr lang="en-US" dirty="0" smtClean="0"/>
-              <a:t>BE</a:t>
+              <a:t>B</a:t>
+            </a:r>
+            <a:r>
+              <a:rPr lang="en-US" altLang="zh-CN" dirty="0" smtClean="0"/>
+              <a:t>F</a:t>
             </a:r>
             <a:endParaRPr lang="en-US" dirty="0"/>
           </a:p>
@@ -4921,7 +4925,7 @@
   <p:timing>
     <p:tnLst>
       <p:par>
-        <p:cTn id="1" dur="indefinite" restart="never" nodeType="tmRoot">
+        <p:cTn xmlns:p14="http://schemas.microsoft.com/office/powerpoint/2010/main" id="1" dur="indefinite" restart="never" nodeType="tmRoot">
           <p:childTnLst>
             <p:seq concurrent="1" nextAc="seek">
               <p:cTn id="2" dur="indefinite" nodeType="mainSeq">
